--- a/editables/hsi-curves.pptx
+++ b/editables/hsi-curves.pptx
@@ -664,8 +664,8 @@
                   </a:defRPr>
                 </a:pPr>
                 <a:r>
-                  <a:rPr lang="en-US"/>
-                  <a:t>HSI (-)</a:t>
+                  <a:rPr lang="en-US" dirty="0"/>
+                  <a:t>HSI </a:t>
                 </a:r>
               </a:p>
             </c:rich>
@@ -1512,7 +1512,7 @@
           <a:p>
             <a:fld id="{DE85C93E-C9C0-420D-BCE0-1CDCB4C4F6BE}" type="datetimeFigureOut">
               <a:rPr lang="en-US" smtClean="0"/>
-              <a:t>8/17/2020</a:t>
+              <a:t>8/18/2020</a:t>
             </a:fld>
             <a:endParaRPr lang="en-US"/>
           </a:p>
@@ -1682,7 +1682,7 @@
           <a:p>
             <a:fld id="{DE85C93E-C9C0-420D-BCE0-1CDCB4C4F6BE}" type="datetimeFigureOut">
               <a:rPr lang="en-US" smtClean="0"/>
-              <a:t>8/17/2020</a:t>
+              <a:t>8/18/2020</a:t>
             </a:fld>
             <a:endParaRPr lang="en-US"/>
           </a:p>
@@ -1862,7 +1862,7 @@
           <a:p>
             <a:fld id="{DE85C93E-C9C0-420D-BCE0-1CDCB4C4F6BE}" type="datetimeFigureOut">
               <a:rPr lang="en-US" smtClean="0"/>
-              <a:t>8/17/2020</a:t>
+              <a:t>8/18/2020</a:t>
             </a:fld>
             <a:endParaRPr lang="en-US"/>
           </a:p>
@@ -2032,7 +2032,7 @@
           <a:p>
             <a:fld id="{DE85C93E-C9C0-420D-BCE0-1CDCB4C4F6BE}" type="datetimeFigureOut">
               <a:rPr lang="en-US" smtClean="0"/>
-              <a:t>8/17/2020</a:t>
+              <a:t>8/18/2020</a:t>
             </a:fld>
             <a:endParaRPr lang="en-US"/>
           </a:p>
@@ -2278,7 +2278,7 @@
           <a:p>
             <a:fld id="{DE85C93E-C9C0-420D-BCE0-1CDCB4C4F6BE}" type="datetimeFigureOut">
               <a:rPr lang="en-US" smtClean="0"/>
-              <a:t>8/17/2020</a:t>
+              <a:t>8/18/2020</a:t>
             </a:fld>
             <a:endParaRPr lang="en-US"/>
           </a:p>
@@ -2510,7 +2510,7 @@
           <a:p>
             <a:fld id="{DE85C93E-C9C0-420D-BCE0-1CDCB4C4F6BE}" type="datetimeFigureOut">
               <a:rPr lang="en-US" smtClean="0"/>
-              <a:t>8/17/2020</a:t>
+              <a:t>8/18/2020</a:t>
             </a:fld>
             <a:endParaRPr lang="en-US"/>
           </a:p>
@@ -2877,7 +2877,7 @@
           <a:p>
             <a:fld id="{DE85C93E-C9C0-420D-BCE0-1CDCB4C4F6BE}" type="datetimeFigureOut">
               <a:rPr lang="en-US" smtClean="0"/>
-              <a:t>8/17/2020</a:t>
+              <a:t>8/18/2020</a:t>
             </a:fld>
             <a:endParaRPr lang="en-US"/>
           </a:p>
@@ -2995,7 +2995,7 @@
           <a:p>
             <a:fld id="{DE85C93E-C9C0-420D-BCE0-1CDCB4C4F6BE}" type="datetimeFigureOut">
               <a:rPr lang="en-US" smtClean="0"/>
-              <a:t>8/17/2020</a:t>
+              <a:t>8/18/2020</a:t>
             </a:fld>
             <a:endParaRPr lang="en-US"/>
           </a:p>
@@ -3090,7 +3090,7 @@
           <a:p>
             <a:fld id="{DE85C93E-C9C0-420D-BCE0-1CDCB4C4F6BE}" type="datetimeFigureOut">
               <a:rPr lang="en-US" smtClean="0"/>
-              <a:t>8/17/2020</a:t>
+              <a:t>8/18/2020</a:t>
             </a:fld>
             <a:endParaRPr lang="en-US"/>
           </a:p>
@@ -3367,7 +3367,7 @@
           <a:p>
             <a:fld id="{DE85C93E-C9C0-420D-BCE0-1CDCB4C4F6BE}" type="datetimeFigureOut">
               <a:rPr lang="en-US" smtClean="0"/>
-              <a:t>8/17/2020</a:t>
+              <a:t>8/18/2020</a:t>
             </a:fld>
             <a:endParaRPr lang="en-US"/>
           </a:p>
@@ -3624,7 +3624,7 @@
           <a:p>
             <a:fld id="{DE85C93E-C9C0-420D-BCE0-1CDCB4C4F6BE}" type="datetimeFigureOut">
               <a:rPr lang="en-US" smtClean="0"/>
-              <a:t>8/17/2020</a:t>
+              <a:t>8/18/2020</a:t>
             </a:fld>
             <a:endParaRPr lang="en-US"/>
           </a:p>
@@ -3837,7 +3837,7 @@
           <a:p>
             <a:fld id="{DE85C93E-C9C0-420D-BCE0-1CDCB4C4F6BE}" type="datetimeFigureOut">
               <a:rPr lang="en-US" smtClean="0"/>
-              <a:t>8/17/2020</a:t>
+              <a:t>8/18/2020</a:t>
             </a:fld>
             <a:endParaRPr lang="en-US"/>
           </a:p>
@@ -4251,7 +4251,7 @@
           <p:nvPr>
             <p:extLst>
               <p:ext uri="{D42A27DB-BD31-4B8C-83A1-F6EECF244321}">
-                <p14:modId xmlns:p14="http://schemas.microsoft.com/office/powerpoint/2010/main" val="364015814"/>
+                <p14:modId xmlns:p14="http://schemas.microsoft.com/office/powerpoint/2010/main" val="329868581"/>
               </p:ext>
             </p:extLst>
           </p:nvPr>
